--- a/Just One More Program Prez.pptx
+++ b/Just One More Program Prez.pptx
@@ -7,10 +7,10 @@
     <p:sldMasterId id="2147483744" r:id="rId3"/>
   </p:sldMasterIdLst>
   <p:notesMasterIdLst>
-    <p:notesMasterId r:id="rId20"/>
+    <p:notesMasterId r:id="rId23"/>
   </p:notesMasterIdLst>
   <p:handoutMasterIdLst>
-    <p:handoutMasterId r:id="rId21"/>
+    <p:handoutMasterId r:id="rId24"/>
   </p:handoutMasterIdLst>
   <p:sldIdLst>
     <p:sldId id="257" r:id="rId4"/>
@@ -24,11 +24,14 @@
     <p:sldId id="264" r:id="rId12"/>
     <p:sldId id="265" r:id="rId13"/>
     <p:sldId id="272" r:id="rId14"/>
-    <p:sldId id="266" r:id="rId15"/>
-    <p:sldId id="267" r:id="rId16"/>
-    <p:sldId id="268" r:id="rId17"/>
-    <p:sldId id="269" r:id="rId18"/>
-    <p:sldId id="270" r:id="rId19"/>
+    <p:sldId id="273" r:id="rId15"/>
+    <p:sldId id="274" r:id="rId16"/>
+    <p:sldId id="275" r:id="rId17"/>
+    <p:sldId id="266" r:id="rId18"/>
+    <p:sldId id="267" r:id="rId19"/>
+    <p:sldId id="268" r:id="rId20"/>
+    <p:sldId id="269" r:id="rId21"/>
+    <p:sldId id="270" r:id="rId22"/>
   </p:sldIdLst>
   <p:sldSz cx="12192000" cy="6858000"/>
   <p:notesSz cx="6858000" cy="9144000"/>
@@ -709,9 +712,12 @@
           <a:p>
             <a:r>
               <a:rPr lang="en-US" baseline="0" dirty="0" smtClean="0"/>
-              <a:t>The Only food Categories are Bakery, Deli, Dairy, Meat, Produce, &amp; Pantry</a:t>
-            </a:r>
-            <a:endParaRPr lang="en-US" dirty="0"/>
+              <a:t>The Only food Categories are Bakery, Deli, Dairy, Meat, Produce, &amp; </a:t>
+            </a:r>
+            <a:r>
+              <a:rPr lang="en-US" baseline="0" dirty="0" smtClean="0"/>
+              <a:t>Pantry</a:t>
+            </a:r>
           </a:p>
         </p:txBody>
       </p:sp>
@@ -742,6 +748,312 @@
     <p:extLst>
       <p:ext uri="{BB962C8B-B14F-4D97-AF65-F5344CB8AC3E}">
         <p14:creationId xmlns:p14="http://schemas.microsoft.com/office/powerpoint/2010/main" val="1257438404"/>
+      </p:ext>
+    </p:extLst>
+  </p:cSld>
+  <p:clrMapOvr>
+    <a:masterClrMapping/>
+  </p:clrMapOvr>
+</p:notes>
+</file>
+
+<file path=ppt/notesSlides/notesSlide10.xml><?xml version="1.0" encoding="utf-8"?>
+<p:notes xmlns:a="http://schemas.openxmlformats.org/drawingml/2006/main" xmlns:r="http://schemas.openxmlformats.org/officeDocument/2006/relationships" xmlns:p="http://schemas.openxmlformats.org/presentationml/2006/main">
+  <p:cSld>
+    <p:spTree>
+      <p:nvGrpSpPr>
+        <p:cNvPr id="1" name=""/>
+        <p:cNvGrpSpPr/>
+        <p:nvPr/>
+      </p:nvGrpSpPr>
+      <p:grpSpPr>
+        <a:xfrm>
+          <a:off x="0" y="0"/>
+          <a:ext cx="0" cy="0"/>
+          <a:chOff x="0" y="0"/>
+          <a:chExt cx="0" cy="0"/>
+        </a:xfrm>
+      </p:grpSpPr>
+      <p:sp>
+        <p:nvSpPr>
+          <p:cNvPr id="2" name="Slide Image Placeholder 1"/>
+          <p:cNvSpPr>
+            <a:spLocks noGrp="1" noRot="1" noChangeAspect="1"/>
+          </p:cNvSpPr>
+          <p:nvPr>
+            <p:ph type="sldImg"/>
+          </p:nvPr>
+        </p:nvSpPr>
+        <p:spPr/>
+      </p:sp>
+      <p:sp>
+        <p:nvSpPr>
+          <p:cNvPr id="3" name="Notes Placeholder 2"/>
+          <p:cNvSpPr>
+            <a:spLocks noGrp="1"/>
+          </p:cNvSpPr>
+          <p:nvPr>
+            <p:ph type="body" idx="1"/>
+          </p:nvPr>
+        </p:nvSpPr>
+        <p:spPr/>
+        <p:txBody>
+          <a:bodyPr/>
+          <a:lstStyle/>
+          <a:p>
+            <a:r>
+              <a:rPr lang="en-US" dirty="0" smtClean="0"/>
+              <a:t>This is the reports page. This is the page where</a:t>
+            </a:r>
+            <a:r>
+              <a:rPr lang="en-US" baseline="0" dirty="0" smtClean="0"/>
+              <a:t> I think a better system can be used. Let me know if you have any suggestions for how to change this page.</a:t>
+            </a:r>
+          </a:p>
+          <a:p>
+            <a:endParaRPr lang="en-US" baseline="0" dirty="0" smtClean="0"/>
+          </a:p>
+          <a:p>
+            <a:r>
+              <a:rPr lang="en-US" baseline="0" dirty="0" smtClean="0"/>
+              <a:t>Selecting the year to date button will automatically place 1/1/17 to the current date. We will need to come up with a way we would like to generate reports.</a:t>
+            </a:r>
+            <a:endParaRPr lang="en-US" dirty="0"/>
+          </a:p>
+        </p:txBody>
+      </p:sp>
+      <p:sp>
+        <p:nvSpPr>
+          <p:cNvPr id="4" name="Slide Number Placeholder 3"/>
+          <p:cNvSpPr>
+            <a:spLocks noGrp="1"/>
+          </p:cNvSpPr>
+          <p:nvPr>
+            <p:ph type="sldNum" sz="quarter" idx="10"/>
+          </p:nvPr>
+        </p:nvSpPr>
+        <p:spPr/>
+        <p:txBody>
+          <a:bodyPr/>
+          <a:lstStyle/>
+          <a:p>
+            <a:fld id="{81A5AE17-F413-AC4E-BE76-ED535F2AB8ED}" type="slidenum">
+              <a:rPr lang="en-US" smtClean="0"/>
+              <a:t>17</a:t>
+            </a:fld>
+            <a:endParaRPr lang="en-US"/>
+          </a:p>
+        </p:txBody>
+      </p:sp>
+    </p:spTree>
+    <p:extLst>
+      <p:ext uri="{BB962C8B-B14F-4D97-AF65-F5344CB8AC3E}">
+        <p14:creationId xmlns:p14="http://schemas.microsoft.com/office/powerpoint/2010/main" val="1937976057"/>
+      </p:ext>
+    </p:extLst>
+  </p:cSld>
+  <p:clrMapOvr>
+    <a:masterClrMapping/>
+  </p:clrMapOvr>
+</p:notes>
+</file>
+
+<file path=ppt/notesSlides/notesSlide11.xml><?xml version="1.0" encoding="utf-8"?>
+<p:notes xmlns:a="http://schemas.openxmlformats.org/drawingml/2006/main" xmlns:r="http://schemas.openxmlformats.org/officeDocument/2006/relationships" xmlns:p="http://schemas.openxmlformats.org/presentationml/2006/main">
+  <p:cSld>
+    <p:spTree>
+      <p:nvGrpSpPr>
+        <p:cNvPr id="1" name=""/>
+        <p:cNvGrpSpPr/>
+        <p:nvPr/>
+      </p:nvGrpSpPr>
+      <p:grpSpPr>
+        <a:xfrm>
+          <a:off x="0" y="0"/>
+          <a:ext cx="0" cy="0"/>
+          <a:chOff x="0" y="0"/>
+          <a:chExt cx="0" cy="0"/>
+        </a:xfrm>
+      </p:grpSpPr>
+      <p:sp>
+        <p:nvSpPr>
+          <p:cNvPr id="2" name="Slide Image Placeholder 1"/>
+          <p:cNvSpPr>
+            <a:spLocks noGrp="1" noRot="1" noChangeAspect="1"/>
+          </p:cNvSpPr>
+          <p:nvPr>
+            <p:ph type="sldImg"/>
+          </p:nvPr>
+        </p:nvSpPr>
+        <p:spPr/>
+      </p:sp>
+      <p:sp>
+        <p:nvSpPr>
+          <p:cNvPr id="3" name="Notes Placeholder 2"/>
+          <p:cNvSpPr>
+            <a:spLocks noGrp="1"/>
+          </p:cNvSpPr>
+          <p:nvPr>
+            <p:ph type="body" idx="1"/>
+          </p:nvPr>
+        </p:nvSpPr>
+        <p:spPr/>
+        <p:txBody>
+          <a:bodyPr/>
+          <a:lstStyle/>
+          <a:p>
+            <a:r>
+              <a:rPr lang="en-US" dirty="0" smtClean="0"/>
+              <a:t>Log</a:t>
+            </a:r>
+            <a:r>
+              <a:rPr lang="en-US" baseline="0" dirty="0" smtClean="0"/>
+              <a:t> in </a:t>
+            </a:r>
+            <a:r>
+              <a:rPr lang="en-US" baseline="0" dirty="0" smtClean="0"/>
+              <a:t>page</a:t>
+            </a:r>
+          </a:p>
+          <a:p>
+            <a:endParaRPr lang="en-US" baseline="0" dirty="0" smtClean="0"/>
+          </a:p>
+          <a:p>
+            <a:r>
+              <a:rPr lang="en-US" baseline="0" dirty="0" smtClean="0"/>
+              <a:t>Checks the user table for a match in the username. Then checks the column associated with a hashed password to check for a match.</a:t>
+            </a:r>
+          </a:p>
+        </p:txBody>
+      </p:sp>
+      <p:sp>
+        <p:nvSpPr>
+          <p:cNvPr id="4" name="Slide Number Placeholder 3"/>
+          <p:cNvSpPr>
+            <a:spLocks noGrp="1"/>
+          </p:cNvSpPr>
+          <p:nvPr>
+            <p:ph type="sldNum" sz="quarter" idx="10"/>
+          </p:nvPr>
+        </p:nvSpPr>
+        <p:spPr/>
+        <p:txBody>
+          <a:bodyPr/>
+          <a:lstStyle/>
+          <a:p>
+            <a:fld id="{81A5AE17-F413-AC4E-BE76-ED535F2AB8ED}" type="slidenum">
+              <a:rPr lang="en-US" smtClean="0"/>
+              <a:t>18</a:t>
+            </a:fld>
+            <a:endParaRPr lang="en-US"/>
+          </a:p>
+        </p:txBody>
+      </p:sp>
+    </p:spTree>
+    <p:extLst>
+      <p:ext uri="{BB962C8B-B14F-4D97-AF65-F5344CB8AC3E}">
+        <p14:creationId xmlns:p14="http://schemas.microsoft.com/office/powerpoint/2010/main" val="924539184"/>
+      </p:ext>
+    </p:extLst>
+  </p:cSld>
+  <p:clrMapOvr>
+    <a:masterClrMapping/>
+  </p:clrMapOvr>
+</p:notes>
+</file>
+
+<file path=ppt/notesSlides/notesSlide12.xml><?xml version="1.0" encoding="utf-8"?>
+<p:notes xmlns:a="http://schemas.openxmlformats.org/drawingml/2006/main" xmlns:r="http://schemas.openxmlformats.org/officeDocument/2006/relationships" xmlns:p="http://schemas.openxmlformats.org/presentationml/2006/main">
+  <p:cSld>
+    <p:spTree>
+      <p:nvGrpSpPr>
+        <p:cNvPr id="1" name=""/>
+        <p:cNvGrpSpPr/>
+        <p:nvPr/>
+      </p:nvGrpSpPr>
+      <p:grpSpPr>
+        <a:xfrm>
+          <a:off x="0" y="0"/>
+          <a:ext cx="0" cy="0"/>
+          <a:chOff x="0" y="0"/>
+          <a:chExt cx="0" cy="0"/>
+        </a:xfrm>
+      </p:grpSpPr>
+      <p:sp>
+        <p:nvSpPr>
+          <p:cNvPr id="2" name="Slide Image Placeholder 1"/>
+          <p:cNvSpPr>
+            <a:spLocks noGrp="1" noRot="1" noChangeAspect="1"/>
+          </p:cNvSpPr>
+          <p:nvPr>
+            <p:ph type="sldImg"/>
+          </p:nvPr>
+        </p:nvSpPr>
+        <p:spPr/>
+      </p:sp>
+      <p:sp>
+        <p:nvSpPr>
+          <p:cNvPr id="3" name="Notes Placeholder 2"/>
+          <p:cNvSpPr>
+            <a:spLocks noGrp="1"/>
+          </p:cNvSpPr>
+          <p:nvPr>
+            <p:ph type="body" idx="1"/>
+          </p:nvPr>
+        </p:nvSpPr>
+        <p:spPr/>
+        <p:txBody>
+          <a:bodyPr/>
+          <a:lstStyle/>
+          <a:p>
+            <a:r>
+              <a:rPr lang="en-US" dirty="0" smtClean="0"/>
+              <a:t>New User</a:t>
+            </a:r>
+            <a:r>
+              <a:rPr lang="en-US" baseline="0" dirty="0" smtClean="0"/>
+              <a:t> Page</a:t>
+            </a:r>
+          </a:p>
+          <a:p>
+            <a:endParaRPr lang="en-US" baseline="0" dirty="0" smtClean="0"/>
+          </a:p>
+          <a:p>
+            <a:r>
+              <a:rPr lang="en-US" baseline="0" dirty="0" smtClean="0"/>
+              <a:t>Should create a new user entry within the user table, and the password should be hashed and stored in its respective column</a:t>
+            </a:r>
+            <a:endParaRPr lang="en-US" dirty="0"/>
+          </a:p>
+        </p:txBody>
+      </p:sp>
+      <p:sp>
+        <p:nvSpPr>
+          <p:cNvPr id="4" name="Slide Number Placeholder 3"/>
+          <p:cNvSpPr>
+            <a:spLocks noGrp="1"/>
+          </p:cNvSpPr>
+          <p:nvPr>
+            <p:ph type="sldNum" sz="quarter" idx="10"/>
+          </p:nvPr>
+        </p:nvSpPr>
+        <p:spPr/>
+        <p:txBody>
+          <a:bodyPr/>
+          <a:lstStyle/>
+          <a:p>
+            <a:fld id="{81A5AE17-F413-AC4E-BE76-ED535F2AB8ED}" type="slidenum">
+              <a:rPr lang="en-US" smtClean="0"/>
+              <a:t>19</a:t>
+            </a:fld>
+            <a:endParaRPr lang="en-US"/>
+          </a:p>
+        </p:txBody>
+      </p:sp>
+    </p:spTree>
+    <p:extLst>
+      <p:ext uri="{BB962C8B-B14F-4D97-AF65-F5344CB8AC3E}">
+        <p14:creationId xmlns:p14="http://schemas.microsoft.com/office/powerpoint/2010/main" val="1294243093"/>
       </p:ext>
     </p:extLst>
   </p:cSld>
@@ -805,11 +1117,7 @@
             </a:r>
             <a:r>
               <a:rPr lang="en-US" baseline="0" dirty="0" smtClean="0"/>
-              <a:t>Screen. The dropdown search bar need to search both incoming and outgoing tables if the layout of the page is kept like this. I don’t know how difficult will be, so if it becomes to difficult we can create separate search pages for incoming and </a:t>
-            </a:r>
-            <a:r>
-              <a:rPr lang="en-US" baseline="0" smtClean="0"/>
-              <a:t>outgoing partners. </a:t>
+              <a:t>Screen. The dropdown search bar need to search both incoming and outgoing tables if the layout of the page is kept like this. I don’t know how difficult will be, so if it becomes to difficult we can create separate search pages for incoming and outgoing partners. </a:t>
             </a:r>
             <a:endParaRPr lang="en-US" dirty="0"/>
           </a:p>
@@ -901,7 +1209,20 @@
             </a:r>
             <a:r>
               <a:rPr lang="en-US" baseline="0" dirty="0" smtClean="0"/>
-              <a:t>s is the page for looking at a partners information</a:t>
+              <a:t>s is the page for looking at a partners </a:t>
+            </a:r>
+            <a:r>
+              <a:rPr lang="en-US" baseline="0" dirty="0" smtClean="0"/>
+              <a:t>information</a:t>
+            </a:r>
+          </a:p>
+          <a:p>
+            <a:endParaRPr lang="en-US" baseline="0" dirty="0" smtClean="0"/>
+          </a:p>
+          <a:p>
+            <a:r>
+              <a:rPr lang="en-US" baseline="0" dirty="0" smtClean="0"/>
+              <a:t>The List All Donations Button Will lead the user to a list of every donation they ever made, sorted by date: most recent to the first entry.</a:t>
             </a:r>
             <a:endParaRPr lang="en-US" dirty="0"/>
           </a:p>
@@ -1081,19 +1402,11 @@
           <a:p>
             <a:r>
               <a:rPr lang="en-US" dirty="0" smtClean="0"/>
-              <a:t>Add a new partner</a:t>
+              <a:t>The User can click on</a:t>
             </a:r>
             <a:r>
               <a:rPr lang="en-US" baseline="0" dirty="0" smtClean="0"/>
-              <a:t> </a:t>
-            </a:r>
-            <a:r>
-              <a:rPr lang="en-US" dirty="0" smtClean="0"/>
-              <a:t>page, the user enters the name</a:t>
-            </a:r>
-            <a:r>
-              <a:rPr lang="en-US" baseline="0" dirty="0" smtClean="0"/>
-              <a:t> first, then can enter that partners contact info and notes which is given on the next page</a:t>
+              <a:t> these entries so that they are able to edit them.</a:t>
             </a:r>
             <a:endParaRPr lang="en-US" dirty="0"/>
           </a:p>
@@ -1125,7 +1438,7 @@
     </p:spTree>
     <p:extLst>
       <p:ext uri="{BB962C8B-B14F-4D97-AF65-F5344CB8AC3E}">
-        <p14:creationId xmlns:p14="http://schemas.microsoft.com/office/powerpoint/2010/main" val="631503562"/>
+        <p14:creationId xmlns:p14="http://schemas.microsoft.com/office/powerpoint/2010/main" val="1954308353"/>
       </p:ext>
     </p:extLst>
   </p:cSld>
@@ -1181,11 +1494,11 @@
           <a:p>
             <a:r>
               <a:rPr lang="en-US" dirty="0" smtClean="0"/>
-              <a:t>Once Name</a:t>
+              <a:t>The</a:t>
             </a:r>
             <a:r>
               <a:rPr lang="en-US" baseline="0" dirty="0" smtClean="0"/>
-              <a:t> of main contact, phone number and email are filled in, a new entry in the incoming/outgoing partner table should be created with these associated field placed into their respective columns</a:t>
+              <a:t> user will come to this page when they select a date of an entry.</a:t>
             </a:r>
             <a:endParaRPr lang="en-US" dirty="0"/>
           </a:p>
@@ -1217,7 +1530,7 @@
     </p:spTree>
     <p:extLst>
       <p:ext uri="{BB962C8B-B14F-4D97-AF65-F5344CB8AC3E}">
-        <p14:creationId xmlns:p14="http://schemas.microsoft.com/office/powerpoint/2010/main" val="1960306608"/>
+        <p14:creationId xmlns:p14="http://schemas.microsoft.com/office/powerpoint/2010/main" val="228760188"/>
       </p:ext>
     </p:extLst>
   </p:cSld>
@@ -1273,20 +1586,11 @@
           <a:p>
             <a:r>
               <a:rPr lang="en-US" dirty="0" smtClean="0"/>
-              <a:t>This is the reports page. This is the page where</a:t>
+              <a:t>The User can change</a:t>
             </a:r>
             <a:r>
               <a:rPr lang="en-US" baseline="0" dirty="0" smtClean="0"/>
-              <a:t> I think a better system can be used. Let me know if you have any suggestions for how to change this page.</a:t>
-            </a:r>
-          </a:p>
-          <a:p>
-            <a:endParaRPr lang="en-US" baseline="0" dirty="0" smtClean="0"/>
-          </a:p>
-          <a:p>
-            <a:r>
-              <a:rPr lang="en-US" baseline="0" dirty="0" smtClean="0"/>
-              <a:t>Selecting the year to date button will automatically place 1/1/17 to the current date. We will need to come up with a way we would like to generate reports.</a:t>
+              <a:t> the weight, delete or add a category to enter a weight for.</a:t>
             </a:r>
             <a:endParaRPr lang="en-US" dirty="0"/>
           </a:p>
@@ -1318,7 +1622,7 @@
     </p:spTree>
     <p:extLst>
       <p:ext uri="{BB962C8B-B14F-4D97-AF65-F5344CB8AC3E}">
-        <p14:creationId xmlns:p14="http://schemas.microsoft.com/office/powerpoint/2010/main" val="1937976057"/>
+        <p14:creationId xmlns:p14="http://schemas.microsoft.com/office/powerpoint/2010/main" val="1493714269"/>
       </p:ext>
     </p:extLst>
   </p:cSld>
@@ -1374,25 +1678,21 @@
           <a:p>
             <a:r>
               <a:rPr lang="en-US" dirty="0" smtClean="0"/>
-              <a:t>Log</a:t>
+              <a:t>Add a new partner</a:t>
             </a:r>
             <a:r>
               <a:rPr lang="en-US" baseline="0" dirty="0" smtClean="0"/>
-              <a:t> in </a:t>
+              <a:t> </a:t>
+            </a:r>
+            <a:r>
+              <a:rPr lang="en-US" dirty="0" smtClean="0"/>
+              <a:t>page, the user enters the name</a:t>
             </a:r>
             <a:r>
               <a:rPr lang="en-US" baseline="0" dirty="0" smtClean="0"/>
-              <a:t>page</a:t>
-            </a:r>
-          </a:p>
-          <a:p>
-            <a:endParaRPr lang="en-US" baseline="0" dirty="0" smtClean="0"/>
-          </a:p>
-          <a:p>
-            <a:r>
-              <a:rPr lang="en-US" baseline="0" dirty="0" smtClean="0"/>
-              <a:t>Checks the user table for a match in the username. Then checks the column associated with a hashed password to check for a match.</a:t>
-            </a:r>
+              <a:t> first, then can enter that partners contact info and notes which is given on the next page</a:t>
+            </a:r>
+            <a:endParaRPr lang="en-US" dirty="0"/>
           </a:p>
         </p:txBody>
       </p:sp>
@@ -1422,7 +1722,7 @@
     </p:spTree>
     <p:extLst>
       <p:ext uri="{BB962C8B-B14F-4D97-AF65-F5344CB8AC3E}">
-        <p14:creationId xmlns:p14="http://schemas.microsoft.com/office/powerpoint/2010/main" val="924539184"/>
+        <p14:creationId xmlns:p14="http://schemas.microsoft.com/office/powerpoint/2010/main" val="631503562"/>
       </p:ext>
     </p:extLst>
   </p:cSld>
@@ -1478,20 +1778,11 @@
           <a:p>
             <a:r>
               <a:rPr lang="en-US" dirty="0" smtClean="0"/>
-              <a:t>New User</a:t>
+              <a:t>Once Name</a:t>
             </a:r>
             <a:r>
               <a:rPr lang="en-US" baseline="0" dirty="0" smtClean="0"/>
-              <a:t> Page</a:t>
-            </a:r>
-          </a:p>
-          <a:p>
-            <a:endParaRPr lang="en-US" baseline="0" dirty="0" smtClean="0"/>
-          </a:p>
-          <a:p>
-            <a:r>
-              <a:rPr lang="en-US" baseline="0" dirty="0" smtClean="0"/>
-              <a:t>Should create a new user entry within the user table, and the password should be hashed and stored in its respective column</a:t>
+              <a:t> of main contact, phone number and email are filled in, a new entry in the incoming/outgoing partner table should be created with these associated field placed into their respective columns</a:t>
             </a:r>
             <a:endParaRPr lang="en-US" dirty="0"/>
           </a:p>
@@ -1523,7 +1814,7 @@
     </p:spTree>
     <p:extLst>
       <p:ext uri="{BB962C8B-B14F-4D97-AF65-F5344CB8AC3E}">
-        <p14:creationId xmlns:p14="http://schemas.microsoft.com/office/powerpoint/2010/main" val="1294243093"/>
+        <p14:creationId xmlns:p14="http://schemas.microsoft.com/office/powerpoint/2010/main" val="1960306608"/>
       </p:ext>
     </p:extLst>
   </p:cSld>
@@ -30899,6 +31190,54 @@
           </a:p>
         </p:txBody>
       </p:sp>
+      <p:sp>
+        <p:nvSpPr>
+          <p:cNvPr id="2" name="Rounded Rectangle 1"/>
+          <p:cNvSpPr/>
+          <p:nvPr/>
+        </p:nvSpPr>
+        <p:spPr>
+          <a:xfrm>
+            <a:off x="5218670" y="4479402"/>
+            <a:ext cx="1670222" cy="578734"/>
+          </a:xfrm>
+          <a:prstGeom prst="roundRect">
+            <a:avLst/>
+          </a:prstGeom>
+        </p:spPr>
+        <p:style>
+          <a:lnRef idx="2">
+            <a:schemeClr val="accent1">
+              <a:shade val="50000"/>
+            </a:schemeClr>
+          </a:lnRef>
+          <a:fillRef idx="1">
+            <a:schemeClr val="accent1"/>
+          </a:fillRef>
+          <a:effectRef idx="0">
+            <a:schemeClr val="accent1"/>
+          </a:effectRef>
+          <a:fontRef idx="minor">
+            <a:schemeClr val="lt1"/>
+          </a:fontRef>
+        </p:style>
+        <p:txBody>
+          <a:bodyPr rtlCol="0" anchor="ctr"/>
+          <a:lstStyle/>
+          <a:p>
+            <a:pPr algn="ctr"/>
+            <a:r>
+              <a:rPr lang="en-US" dirty="0" smtClean="0"/>
+              <a:t>List </a:t>
+            </a:r>
+            <a:r>
+              <a:rPr lang="en-US" smtClean="0"/>
+              <a:t>All Donations</a:t>
+            </a:r>
+            <a:endParaRPr lang="en-US"/>
+          </a:p>
+        </p:txBody>
+      </p:sp>
     </p:spTree>
     <p:extLst>
       <p:ext uri="{BB962C8B-B14F-4D97-AF65-F5344CB8AC3E}">
@@ -31338,6 +31677,1403 @@
       </p:grpSpPr>
       <p:sp>
         <p:nvSpPr>
+          <p:cNvPr id="4" name="Rectangle 3"/>
+          <p:cNvSpPr/>
+          <p:nvPr/>
+        </p:nvSpPr>
+        <p:spPr>
+          <a:xfrm>
+            <a:off x="3682314" y="345988"/>
+            <a:ext cx="4695568" cy="568411"/>
+          </a:xfrm>
+          <a:prstGeom prst="rect">
+            <a:avLst/>
+          </a:prstGeom>
+          <a:noFill/>
+        </p:spPr>
+        <p:style>
+          <a:lnRef idx="2">
+            <a:schemeClr val="accent1">
+              <a:shade val="50000"/>
+            </a:schemeClr>
+          </a:lnRef>
+          <a:fillRef idx="1">
+            <a:schemeClr val="accent1"/>
+          </a:fillRef>
+          <a:effectRef idx="0">
+            <a:schemeClr val="accent1"/>
+          </a:effectRef>
+          <a:fontRef idx="minor">
+            <a:schemeClr val="lt1"/>
+          </a:fontRef>
+        </p:style>
+        <p:txBody>
+          <a:bodyPr rtlCol="0" anchor="ctr"/>
+          <a:lstStyle/>
+          <a:p>
+            <a:pPr algn="ctr"/>
+            <a:r>
+              <a:rPr lang="en-US" dirty="0" smtClean="0">
+                <a:solidFill>
+                  <a:schemeClr val="tx1"/>
+                </a:solidFill>
+              </a:rPr>
+              <a:t>Org </a:t>
+            </a:r>
+            <a:r>
+              <a:rPr lang="en-US" dirty="0" smtClean="0">
+                <a:solidFill>
+                  <a:schemeClr val="tx1"/>
+                </a:solidFill>
+              </a:rPr>
+              <a:t>A’s Donations</a:t>
+            </a:r>
+            <a:endParaRPr lang="en-US" dirty="0">
+              <a:solidFill>
+                <a:schemeClr val="tx1"/>
+              </a:solidFill>
+            </a:endParaRPr>
+          </a:p>
+        </p:txBody>
+      </p:sp>
+      <p:sp>
+        <p:nvSpPr>
+          <p:cNvPr id="5" name="Rectangle 4"/>
+          <p:cNvSpPr/>
+          <p:nvPr/>
+        </p:nvSpPr>
+        <p:spPr>
+          <a:xfrm>
+            <a:off x="300942" y="1527858"/>
+            <a:ext cx="5775767" cy="5243332"/>
+          </a:xfrm>
+          <a:prstGeom prst="rect">
+            <a:avLst/>
+          </a:prstGeom>
+          <a:noFill/>
+        </p:spPr>
+        <p:style>
+          <a:lnRef idx="2">
+            <a:schemeClr val="accent1">
+              <a:shade val="50000"/>
+            </a:schemeClr>
+          </a:lnRef>
+          <a:fillRef idx="1">
+            <a:schemeClr val="accent1"/>
+          </a:fillRef>
+          <a:effectRef idx="0">
+            <a:schemeClr val="accent1"/>
+          </a:effectRef>
+          <a:fontRef idx="minor">
+            <a:schemeClr val="lt1"/>
+          </a:fontRef>
+        </p:style>
+        <p:txBody>
+          <a:bodyPr rtlCol="0" anchor="ctr"/>
+          <a:lstStyle/>
+          <a:p>
+            <a:pPr algn="ctr"/>
+            <a:endParaRPr lang="en-US"/>
+          </a:p>
+        </p:txBody>
+      </p:sp>
+      <p:sp>
+        <p:nvSpPr>
+          <p:cNvPr id="6" name="TextBox 5"/>
+          <p:cNvSpPr txBox="1"/>
+          <p:nvPr/>
+        </p:nvSpPr>
+        <p:spPr>
+          <a:xfrm>
+            <a:off x="532436" y="1608881"/>
+            <a:ext cx="5266480" cy="2862322"/>
+          </a:xfrm>
+          <a:prstGeom prst="rect">
+            <a:avLst/>
+          </a:prstGeom>
+          <a:noFill/>
+        </p:spPr>
+        <p:txBody>
+          <a:bodyPr wrap="square" rtlCol="0">
+            <a:spAutoFit/>
+          </a:bodyPr>
+          <a:lstStyle/>
+          <a:p>
+            <a:r>
+              <a:rPr lang="en-US" u="sng" dirty="0" smtClean="0"/>
+              <a:t>10/25/17 15:05:29</a:t>
+            </a:r>
+          </a:p>
+          <a:p>
+            <a:endParaRPr lang="en-US" u="sng" dirty="0"/>
+          </a:p>
+          <a:p>
+            <a:r>
+              <a:rPr lang="en-US" u="sng" dirty="0" smtClean="0"/>
+              <a:t>10/19/17 14:29:02</a:t>
+            </a:r>
+          </a:p>
+          <a:p>
+            <a:endParaRPr lang="en-US" u="sng" dirty="0"/>
+          </a:p>
+          <a:p>
+            <a:r>
+              <a:rPr lang="en-US" u="sng" dirty="0" smtClean="0"/>
+              <a:t>10/12/17 14:45:54</a:t>
+            </a:r>
+          </a:p>
+          <a:p>
+            <a:endParaRPr lang="en-US" u="sng" dirty="0"/>
+          </a:p>
+          <a:p>
+            <a:r>
+              <a:rPr lang="en-US" u="sng" dirty="0" smtClean="0"/>
+              <a:t>Etc.</a:t>
+            </a:r>
+            <a:endParaRPr lang="en-US" u="sng" dirty="0"/>
+          </a:p>
+          <a:p>
+            <a:endParaRPr lang="en-US" u="sng" dirty="0" smtClean="0"/>
+          </a:p>
+          <a:p>
+            <a:endParaRPr lang="en-US" u="sng" dirty="0"/>
+          </a:p>
+          <a:p>
+            <a:r>
+              <a:rPr lang="en-US" dirty="0" smtClean="0"/>
+              <a:t> </a:t>
+            </a:r>
+            <a:endParaRPr lang="en-US" dirty="0"/>
+          </a:p>
+        </p:txBody>
+      </p:sp>
+      <p:sp>
+        <p:nvSpPr>
+          <p:cNvPr id="7" name="TextBox 6"/>
+          <p:cNvSpPr txBox="1"/>
+          <p:nvPr/>
+        </p:nvSpPr>
+        <p:spPr>
+          <a:xfrm>
+            <a:off x="1388962" y="1158526"/>
+            <a:ext cx="3090441" cy="369332"/>
+          </a:xfrm>
+          <a:prstGeom prst="rect">
+            <a:avLst/>
+          </a:prstGeom>
+          <a:noFill/>
+        </p:spPr>
+        <p:txBody>
+          <a:bodyPr wrap="square" rtlCol="0">
+            <a:spAutoFit/>
+          </a:bodyPr>
+          <a:lstStyle/>
+          <a:p>
+            <a:pPr algn="ctr"/>
+            <a:r>
+              <a:rPr lang="en-US" smtClean="0"/>
+              <a:t>List of Donations</a:t>
+            </a:r>
+            <a:endParaRPr lang="en-US"/>
+          </a:p>
+        </p:txBody>
+      </p:sp>
+      <p:sp>
+        <p:nvSpPr>
+          <p:cNvPr id="8" name="Rounded Rectangle 7"/>
+          <p:cNvSpPr/>
+          <p:nvPr/>
+        </p:nvSpPr>
+        <p:spPr>
+          <a:xfrm>
+            <a:off x="10000527" y="5937813"/>
+            <a:ext cx="1851949" cy="625033"/>
+          </a:xfrm>
+          <a:prstGeom prst="roundRect">
+            <a:avLst/>
+          </a:prstGeom>
+        </p:spPr>
+        <p:style>
+          <a:lnRef idx="2">
+            <a:schemeClr val="accent1">
+              <a:shade val="50000"/>
+            </a:schemeClr>
+          </a:lnRef>
+          <a:fillRef idx="1">
+            <a:schemeClr val="accent1"/>
+          </a:fillRef>
+          <a:effectRef idx="0">
+            <a:schemeClr val="accent1"/>
+          </a:effectRef>
+          <a:fontRef idx="minor">
+            <a:schemeClr val="lt1"/>
+          </a:fontRef>
+        </p:style>
+        <p:txBody>
+          <a:bodyPr rtlCol="0" anchor="ctr"/>
+          <a:lstStyle/>
+          <a:p>
+            <a:pPr algn="ctr"/>
+            <a:r>
+              <a:rPr lang="en-US" dirty="0" smtClean="0"/>
+              <a:t>Back</a:t>
+            </a:r>
+            <a:endParaRPr lang="en-US" dirty="0"/>
+          </a:p>
+        </p:txBody>
+      </p:sp>
+    </p:spTree>
+    <p:extLst>
+      <p:ext uri="{BB962C8B-B14F-4D97-AF65-F5344CB8AC3E}">
+        <p14:creationId xmlns:p14="http://schemas.microsoft.com/office/powerpoint/2010/main" val="2015191041"/>
+      </p:ext>
+    </p:extLst>
+  </p:cSld>
+  <p:clrMapOvr>
+    <a:masterClrMapping/>
+  </p:clrMapOvr>
+</p:sld>
+</file>
+
+<file path=ppt/slides/slide13.xml><?xml version="1.0" encoding="utf-8"?>
+<p:sld xmlns:a="http://schemas.openxmlformats.org/drawingml/2006/main" xmlns:r="http://schemas.openxmlformats.org/officeDocument/2006/relationships" xmlns:p="http://schemas.openxmlformats.org/presentationml/2006/main">
+  <p:cSld>
+    <p:spTree>
+      <p:nvGrpSpPr>
+        <p:cNvPr id="1" name=""/>
+        <p:cNvGrpSpPr/>
+        <p:nvPr/>
+      </p:nvGrpSpPr>
+      <p:grpSpPr>
+        <a:xfrm>
+          <a:off x="0" y="0"/>
+          <a:ext cx="0" cy="0"/>
+          <a:chOff x="0" y="0"/>
+          <a:chExt cx="0" cy="0"/>
+        </a:xfrm>
+      </p:grpSpPr>
+      <p:sp>
+        <p:nvSpPr>
+          <p:cNvPr id="4" name="Rectangle 3"/>
+          <p:cNvSpPr/>
+          <p:nvPr/>
+        </p:nvSpPr>
+        <p:spPr>
+          <a:xfrm>
+            <a:off x="3682314" y="345988"/>
+            <a:ext cx="4695568" cy="568411"/>
+          </a:xfrm>
+          <a:prstGeom prst="rect">
+            <a:avLst/>
+          </a:prstGeom>
+          <a:noFill/>
+        </p:spPr>
+        <p:style>
+          <a:lnRef idx="2">
+            <a:schemeClr val="accent1">
+              <a:shade val="50000"/>
+            </a:schemeClr>
+          </a:lnRef>
+          <a:fillRef idx="1">
+            <a:schemeClr val="accent1"/>
+          </a:fillRef>
+          <a:effectRef idx="0">
+            <a:schemeClr val="accent1"/>
+          </a:effectRef>
+          <a:fontRef idx="minor">
+            <a:schemeClr val="lt1"/>
+          </a:fontRef>
+        </p:style>
+        <p:txBody>
+          <a:bodyPr rtlCol="0" anchor="ctr"/>
+          <a:lstStyle/>
+          <a:p>
+            <a:pPr algn="ctr"/>
+            <a:r>
+              <a:rPr lang="en-US" u="sng" dirty="0">
+                <a:solidFill>
+                  <a:schemeClr val="tx1"/>
+                </a:solidFill>
+              </a:rPr>
+              <a:t>10/19/17 </a:t>
+            </a:r>
+            <a:r>
+              <a:rPr lang="en-US" u="sng" dirty="0" smtClean="0">
+                <a:solidFill>
+                  <a:schemeClr val="tx1"/>
+                </a:solidFill>
+              </a:rPr>
+              <a:t>14:29:02</a:t>
+            </a:r>
+            <a:endParaRPr lang="en-US" u="sng" dirty="0">
+              <a:solidFill>
+                <a:schemeClr val="tx1"/>
+              </a:solidFill>
+            </a:endParaRPr>
+          </a:p>
+        </p:txBody>
+      </p:sp>
+      <p:sp>
+        <p:nvSpPr>
+          <p:cNvPr id="5" name="Rectangle 4"/>
+          <p:cNvSpPr/>
+          <p:nvPr/>
+        </p:nvSpPr>
+        <p:spPr>
+          <a:xfrm>
+            <a:off x="3958229" y="1585732"/>
+            <a:ext cx="4143737" cy="4097438"/>
+          </a:xfrm>
+          <a:prstGeom prst="rect">
+            <a:avLst/>
+          </a:prstGeom>
+          <a:noFill/>
+        </p:spPr>
+        <p:style>
+          <a:lnRef idx="2">
+            <a:schemeClr val="accent1">
+              <a:shade val="50000"/>
+            </a:schemeClr>
+          </a:lnRef>
+          <a:fillRef idx="1">
+            <a:schemeClr val="accent1"/>
+          </a:fillRef>
+          <a:effectRef idx="0">
+            <a:schemeClr val="accent1"/>
+          </a:effectRef>
+          <a:fontRef idx="minor">
+            <a:schemeClr val="lt1"/>
+          </a:fontRef>
+        </p:style>
+        <p:txBody>
+          <a:bodyPr rtlCol="0" anchor="ctr"/>
+          <a:lstStyle/>
+          <a:p>
+            <a:pPr algn="ctr"/>
+            <a:endParaRPr lang="en-US"/>
+          </a:p>
+        </p:txBody>
+      </p:sp>
+      <p:sp>
+        <p:nvSpPr>
+          <p:cNvPr id="6" name="TextBox 5"/>
+          <p:cNvSpPr txBox="1"/>
+          <p:nvPr/>
+        </p:nvSpPr>
+        <p:spPr>
+          <a:xfrm>
+            <a:off x="3460830" y="2157123"/>
+            <a:ext cx="1979271" cy="1477328"/>
+          </a:xfrm>
+          <a:prstGeom prst="rect">
+            <a:avLst/>
+          </a:prstGeom>
+          <a:noFill/>
+        </p:spPr>
+        <p:txBody>
+          <a:bodyPr wrap="square" rtlCol="0">
+            <a:spAutoFit/>
+          </a:bodyPr>
+          <a:lstStyle/>
+          <a:p>
+            <a:pPr algn="r"/>
+            <a:r>
+              <a:rPr lang="en-US" dirty="0" smtClean="0"/>
+              <a:t>Bakery:</a:t>
+            </a:r>
+          </a:p>
+          <a:p>
+            <a:pPr algn="r"/>
+            <a:endParaRPr lang="en-US" dirty="0"/>
+          </a:p>
+          <a:p>
+            <a:pPr algn="r"/>
+            <a:r>
+              <a:rPr lang="en-US" dirty="0" smtClean="0"/>
+              <a:t>Dairy:</a:t>
+            </a:r>
+          </a:p>
+          <a:p>
+            <a:pPr algn="r"/>
+            <a:endParaRPr lang="en-US" dirty="0"/>
+          </a:p>
+          <a:p>
+            <a:pPr algn="r"/>
+            <a:r>
+              <a:rPr lang="en-US" dirty="0" smtClean="0"/>
+              <a:t>Deli:</a:t>
+            </a:r>
+          </a:p>
+        </p:txBody>
+      </p:sp>
+      <p:sp>
+        <p:nvSpPr>
+          <p:cNvPr id="7" name="Rectangle 6"/>
+          <p:cNvSpPr/>
+          <p:nvPr/>
+        </p:nvSpPr>
+        <p:spPr>
+          <a:xfrm>
+            <a:off x="5578997" y="2157123"/>
+            <a:ext cx="2141317" cy="428263"/>
+          </a:xfrm>
+          <a:prstGeom prst="rect">
+            <a:avLst/>
+          </a:prstGeom>
+          <a:noFill/>
+        </p:spPr>
+        <p:style>
+          <a:lnRef idx="2">
+            <a:schemeClr val="accent1">
+              <a:shade val="50000"/>
+            </a:schemeClr>
+          </a:lnRef>
+          <a:fillRef idx="1">
+            <a:schemeClr val="accent1"/>
+          </a:fillRef>
+          <a:effectRef idx="0">
+            <a:schemeClr val="accent1"/>
+          </a:effectRef>
+          <a:fontRef idx="minor">
+            <a:schemeClr val="lt1"/>
+          </a:fontRef>
+        </p:style>
+        <p:txBody>
+          <a:bodyPr rtlCol="0" anchor="ctr"/>
+          <a:lstStyle/>
+          <a:p>
+            <a:r>
+              <a:rPr lang="en-US" smtClean="0">
+                <a:solidFill>
+                  <a:schemeClr val="tx1"/>
+                </a:solidFill>
+              </a:rPr>
+              <a:t>15</a:t>
+            </a:r>
+            <a:endParaRPr lang="en-US">
+              <a:solidFill>
+                <a:schemeClr val="tx1"/>
+              </a:solidFill>
+            </a:endParaRPr>
+          </a:p>
+        </p:txBody>
+      </p:sp>
+      <p:sp>
+        <p:nvSpPr>
+          <p:cNvPr id="8" name="Rectangle 7"/>
+          <p:cNvSpPr/>
+          <p:nvPr/>
+        </p:nvSpPr>
+        <p:spPr>
+          <a:xfrm>
+            <a:off x="5578997" y="2681655"/>
+            <a:ext cx="2141317" cy="428263"/>
+          </a:xfrm>
+          <a:prstGeom prst="rect">
+            <a:avLst/>
+          </a:prstGeom>
+          <a:noFill/>
+        </p:spPr>
+        <p:style>
+          <a:lnRef idx="2">
+            <a:schemeClr val="accent1">
+              <a:shade val="50000"/>
+            </a:schemeClr>
+          </a:lnRef>
+          <a:fillRef idx="1">
+            <a:schemeClr val="accent1"/>
+          </a:fillRef>
+          <a:effectRef idx="0">
+            <a:schemeClr val="accent1"/>
+          </a:effectRef>
+          <a:fontRef idx="minor">
+            <a:schemeClr val="lt1"/>
+          </a:fontRef>
+        </p:style>
+        <p:txBody>
+          <a:bodyPr rtlCol="0" anchor="ctr"/>
+          <a:lstStyle/>
+          <a:p>
+            <a:r>
+              <a:rPr lang="en-US" smtClean="0">
+                <a:solidFill>
+                  <a:schemeClr val="tx1"/>
+                </a:solidFill>
+              </a:rPr>
+              <a:t>62</a:t>
+            </a:r>
+            <a:endParaRPr lang="en-US">
+              <a:solidFill>
+                <a:schemeClr val="tx1"/>
+              </a:solidFill>
+            </a:endParaRPr>
+          </a:p>
+        </p:txBody>
+      </p:sp>
+      <p:sp>
+        <p:nvSpPr>
+          <p:cNvPr id="9" name="Rectangle 8"/>
+          <p:cNvSpPr/>
+          <p:nvPr/>
+        </p:nvSpPr>
+        <p:spPr>
+          <a:xfrm>
+            <a:off x="5578996" y="3206187"/>
+            <a:ext cx="2141317" cy="428263"/>
+          </a:xfrm>
+          <a:prstGeom prst="rect">
+            <a:avLst/>
+          </a:prstGeom>
+          <a:noFill/>
+        </p:spPr>
+        <p:style>
+          <a:lnRef idx="2">
+            <a:schemeClr val="accent1">
+              <a:shade val="50000"/>
+            </a:schemeClr>
+          </a:lnRef>
+          <a:fillRef idx="1">
+            <a:schemeClr val="accent1"/>
+          </a:fillRef>
+          <a:effectRef idx="0">
+            <a:schemeClr val="accent1"/>
+          </a:effectRef>
+          <a:fontRef idx="minor">
+            <a:schemeClr val="lt1"/>
+          </a:fontRef>
+        </p:style>
+        <p:txBody>
+          <a:bodyPr rtlCol="0" anchor="ctr"/>
+          <a:lstStyle/>
+          <a:p>
+            <a:r>
+              <a:rPr lang="en-US" dirty="0" smtClean="0">
+                <a:solidFill>
+                  <a:schemeClr val="tx1"/>
+                </a:solidFill>
+              </a:rPr>
+              <a:t>45</a:t>
+            </a:r>
+            <a:endParaRPr lang="en-US" dirty="0">
+              <a:solidFill>
+                <a:schemeClr val="tx1"/>
+              </a:solidFill>
+            </a:endParaRPr>
+          </a:p>
+        </p:txBody>
+      </p:sp>
+      <p:sp>
+        <p:nvSpPr>
+          <p:cNvPr id="10" name="TextBox 9"/>
+          <p:cNvSpPr txBox="1"/>
+          <p:nvPr/>
+        </p:nvSpPr>
+        <p:spPr>
+          <a:xfrm>
+            <a:off x="5578996" y="1687132"/>
+            <a:ext cx="2141317" cy="369332"/>
+          </a:xfrm>
+          <a:prstGeom prst="rect">
+            <a:avLst/>
+          </a:prstGeom>
+          <a:noFill/>
+        </p:spPr>
+        <p:txBody>
+          <a:bodyPr wrap="square" rtlCol="0">
+            <a:spAutoFit/>
+          </a:bodyPr>
+          <a:lstStyle/>
+          <a:p>
+            <a:r>
+              <a:rPr lang="en-US" dirty="0" smtClean="0"/>
+              <a:t>Weight (</a:t>
+            </a:r>
+            <a:r>
+              <a:rPr lang="en-US" dirty="0" err="1" smtClean="0"/>
+              <a:t>lbs</a:t>
+            </a:r>
+            <a:r>
+              <a:rPr lang="en-US" dirty="0" smtClean="0"/>
+              <a:t>)</a:t>
+            </a:r>
+            <a:endParaRPr lang="en-US" dirty="0"/>
+          </a:p>
+        </p:txBody>
+      </p:sp>
+      <p:sp>
+        <p:nvSpPr>
+          <p:cNvPr id="11" name="Rounded Rectangle 10"/>
+          <p:cNvSpPr/>
+          <p:nvPr/>
+        </p:nvSpPr>
+        <p:spPr>
+          <a:xfrm>
+            <a:off x="5929745" y="5791200"/>
+            <a:ext cx="2172221" cy="526473"/>
+          </a:xfrm>
+          <a:prstGeom prst="roundRect">
+            <a:avLst/>
+          </a:prstGeom>
+        </p:spPr>
+        <p:style>
+          <a:lnRef idx="2">
+            <a:schemeClr val="accent1">
+              <a:shade val="50000"/>
+            </a:schemeClr>
+          </a:lnRef>
+          <a:fillRef idx="1">
+            <a:schemeClr val="accent1"/>
+          </a:fillRef>
+          <a:effectRef idx="0">
+            <a:schemeClr val="accent1"/>
+          </a:effectRef>
+          <a:fontRef idx="minor">
+            <a:schemeClr val="lt1"/>
+          </a:fontRef>
+        </p:style>
+        <p:txBody>
+          <a:bodyPr rtlCol="0" anchor="ctr"/>
+          <a:lstStyle/>
+          <a:p>
+            <a:pPr algn="ctr"/>
+            <a:r>
+              <a:rPr lang="en-US" dirty="0" smtClean="0"/>
+              <a:t>Edit</a:t>
+            </a:r>
+            <a:endParaRPr lang="en-US" dirty="0"/>
+          </a:p>
+        </p:txBody>
+      </p:sp>
+      <p:sp>
+        <p:nvSpPr>
+          <p:cNvPr id="12" name="Rounded Rectangle 11"/>
+          <p:cNvSpPr/>
+          <p:nvPr/>
+        </p:nvSpPr>
+        <p:spPr>
+          <a:xfrm>
+            <a:off x="510020" y="5991331"/>
+            <a:ext cx="2172221" cy="526473"/>
+          </a:xfrm>
+          <a:prstGeom prst="roundRect">
+            <a:avLst/>
+          </a:prstGeom>
+        </p:spPr>
+        <p:style>
+          <a:lnRef idx="2">
+            <a:schemeClr val="accent1">
+              <a:shade val="50000"/>
+            </a:schemeClr>
+          </a:lnRef>
+          <a:fillRef idx="1">
+            <a:schemeClr val="accent1"/>
+          </a:fillRef>
+          <a:effectRef idx="0">
+            <a:schemeClr val="accent1"/>
+          </a:effectRef>
+          <a:fontRef idx="minor">
+            <a:schemeClr val="lt1"/>
+          </a:fontRef>
+        </p:style>
+        <p:txBody>
+          <a:bodyPr rtlCol="0" anchor="ctr"/>
+          <a:lstStyle/>
+          <a:p>
+            <a:pPr algn="ctr"/>
+            <a:r>
+              <a:rPr lang="en-US" dirty="0" smtClean="0"/>
+              <a:t>Back</a:t>
+            </a:r>
+            <a:endParaRPr lang="en-US" dirty="0"/>
+          </a:p>
+        </p:txBody>
+      </p:sp>
+      <p:sp>
+        <p:nvSpPr>
+          <p:cNvPr id="13" name="Rounded Rectangle 12"/>
+          <p:cNvSpPr/>
+          <p:nvPr/>
+        </p:nvSpPr>
+        <p:spPr>
+          <a:xfrm>
+            <a:off x="8377882" y="5791199"/>
+            <a:ext cx="2172221" cy="526473"/>
+          </a:xfrm>
+          <a:prstGeom prst="roundRect">
+            <a:avLst/>
+          </a:prstGeom>
+        </p:spPr>
+        <p:style>
+          <a:lnRef idx="2">
+            <a:schemeClr val="accent1">
+              <a:shade val="50000"/>
+            </a:schemeClr>
+          </a:lnRef>
+          <a:fillRef idx="1">
+            <a:schemeClr val="accent1"/>
+          </a:fillRef>
+          <a:effectRef idx="0">
+            <a:schemeClr val="accent1"/>
+          </a:effectRef>
+          <a:fontRef idx="minor">
+            <a:schemeClr val="lt1"/>
+          </a:fontRef>
+        </p:style>
+        <p:txBody>
+          <a:bodyPr rtlCol="0" anchor="ctr"/>
+          <a:lstStyle/>
+          <a:p>
+            <a:pPr algn="ctr"/>
+            <a:r>
+              <a:rPr lang="en-US" dirty="0" smtClean="0"/>
+              <a:t>Delete</a:t>
+            </a:r>
+            <a:endParaRPr lang="en-US" dirty="0"/>
+          </a:p>
+        </p:txBody>
+      </p:sp>
+    </p:spTree>
+    <p:extLst>
+      <p:ext uri="{BB962C8B-B14F-4D97-AF65-F5344CB8AC3E}">
+        <p14:creationId xmlns:p14="http://schemas.microsoft.com/office/powerpoint/2010/main" val="349842715"/>
+      </p:ext>
+    </p:extLst>
+  </p:cSld>
+  <p:clrMapOvr>
+    <a:masterClrMapping/>
+  </p:clrMapOvr>
+</p:sld>
+</file>
+
+<file path=ppt/slides/slide14.xml><?xml version="1.0" encoding="utf-8"?>
+<p:sld xmlns:a="http://schemas.openxmlformats.org/drawingml/2006/main" xmlns:r="http://schemas.openxmlformats.org/officeDocument/2006/relationships" xmlns:p="http://schemas.openxmlformats.org/presentationml/2006/main">
+  <p:cSld>
+    <p:spTree>
+      <p:nvGrpSpPr>
+        <p:cNvPr id="1" name=""/>
+        <p:cNvGrpSpPr/>
+        <p:nvPr/>
+      </p:nvGrpSpPr>
+      <p:grpSpPr>
+        <a:xfrm>
+          <a:off x="0" y="0"/>
+          <a:ext cx="0" cy="0"/>
+          <a:chOff x="0" y="0"/>
+          <a:chExt cx="0" cy="0"/>
+        </a:xfrm>
+      </p:grpSpPr>
+      <p:sp>
+        <p:nvSpPr>
+          <p:cNvPr id="4" name="Rectangle 3"/>
+          <p:cNvSpPr/>
+          <p:nvPr/>
+        </p:nvSpPr>
+        <p:spPr>
+          <a:xfrm>
+            <a:off x="3682314" y="345988"/>
+            <a:ext cx="4695568" cy="568411"/>
+          </a:xfrm>
+          <a:prstGeom prst="rect">
+            <a:avLst/>
+          </a:prstGeom>
+          <a:noFill/>
+        </p:spPr>
+        <p:style>
+          <a:lnRef idx="2">
+            <a:schemeClr val="accent1">
+              <a:shade val="50000"/>
+            </a:schemeClr>
+          </a:lnRef>
+          <a:fillRef idx="1">
+            <a:schemeClr val="accent1"/>
+          </a:fillRef>
+          <a:effectRef idx="0">
+            <a:schemeClr val="accent1"/>
+          </a:effectRef>
+          <a:fontRef idx="minor">
+            <a:schemeClr val="lt1"/>
+          </a:fontRef>
+        </p:style>
+        <p:txBody>
+          <a:bodyPr rtlCol="0" anchor="ctr"/>
+          <a:lstStyle/>
+          <a:p>
+            <a:pPr algn="ctr"/>
+            <a:r>
+              <a:rPr lang="en-US" u="sng" dirty="0">
+                <a:solidFill>
+                  <a:schemeClr val="tx1"/>
+                </a:solidFill>
+              </a:rPr>
+              <a:t>10/19/17 </a:t>
+            </a:r>
+            <a:r>
+              <a:rPr lang="en-US" u="sng" dirty="0" smtClean="0">
+                <a:solidFill>
+                  <a:schemeClr val="tx1"/>
+                </a:solidFill>
+              </a:rPr>
+              <a:t>14:29:02</a:t>
+            </a:r>
+            <a:endParaRPr lang="en-US" u="sng" dirty="0">
+              <a:solidFill>
+                <a:schemeClr val="tx1"/>
+              </a:solidFill>
+            </a:endParaRPr>
+          </a:p>
+        </p:txBody>
+      </p:sp>
+      <p:sp>
+        <p:nvSpPr>
+          <p:cNvPr id="5" name="Rectangle 4"/>
+          <p:cNvSpPr/>
+          <p:nvPr/>
+        </p:nvSpPr>
+        <p:spPr>
+          <a:xfrm>
+            <a:off x="3958229" y="1585732"/>
+            <a:ext cx="4143737" cy="4097438"/>
+          </a:xfrm>
+          <a:prstGeom prst="rect">
+            <a:avLst/>
+          </a:prstGeom>
+          <a:noFill/>
+        </p:spPr>
+        <p:style>
+          <a:lnRef idx="2">
+            <a:schemeClr val="accent1">
+              <a:shade val="50000"/>
+            </a:schemeClr>
+          </a:lnRef>
+          <a:fillRef idx="1">
+            <a:schemeClr val="accent1"/>
+          </a:fillRef>
+          <a:effectRef idx="0">
+            <a:schemeClr val="accent1"/>
+          </a:effectRef>
+          <a:fontRef idx="minor">
+            <a:schemeClr val="lt1"/>
+          </a:fontRef>
+        </p:style>
+        <p:txBody>
+          <a:bodyPr rtlCol="0" anchor="ctr"/>
+          <a:lstStyle/>
+          <a:p>
+            <a:pPr algn="ctr"/>
+            <a:endParaRPr lang="en-US"/>
+          </a:p>
+        </p:txBody>
+      </p:sp>
+      <p:sp>
+        <p:nvSpPr>
+          <p:cNvPr id="6" name="TextBox 5"/>
+          <p:cNvSpPr txBox="1"/>
+          <p:nvPr/>
+        </p:nvSpPr>
+        <p:spPr>
+          <a:xfrm>
+            <a:off x="4543425" y="2157123"/>
+            <a:ext cx="896676" cy="1477328"/>
+          </a:xfrm>
+          <a:prstGeom prst="rect">
+            <a:avLst/>
+          </a:prstGeom>
+          <a:noFill/>
+        </p:spPr>
+        <p:txBody>
+          <a:bodyPr wrap="square" rtlCol="0">
+            <a:spAutoFit/>
+          </a:bodyPr>
+          <a:lstStyle/>
+          <a:p>
+            <a:pPr algn="r"/>
+            <a:r>
+              <a:rPr lang="en-US" dirty="0" smtClean="0"/>
+              <a:t>Bakery:</a:t>
+            </a:r>
+          </a:p>
+          <a:p>
+            <a:pPr algn="r"/>
+            <a:endParaRPr lang="en-US" dirty="0"/>
+          </a:p>
+          <a:p>
+            <a:pPr algn="r"/>
+            <a:r>
+              <a:rPr lang="en-US" dirty="0" smtClean="0"/>
+              <a:t>Dairy:</a:t>
+            </a:r>
+          </a:p>
+          <a:p>
+            <a:pPr algn="r"/>
+            <a:endParaRPr lang="en-US" dirty="0"/>
+          </a:p>
+          <a:p>
+            <a:pPr algn="r"/>
+            <a:r>
+              <a:rPr lang="en-US" dirty="0" smtClean="0"/>
+              <a:t>Deli:</a:t>
+            </a:r>
+          </a:p>
+        </p:txBody>
+      </p:sp>
+      <p:sp>
+        <p:nvSpPr>
+          <p:cNvPr id="7" name="Rectangle 6"/>
+          <p:cNvSpPr/>
+          <p:nvPr/>
+        </p:nvSpPr>
+        <p:spPr>
+          <a:xfrm>
+            <a:off x="5578997" y="2157123"/>
+            <a:ext cx="2141317" cy="428263"/>
+          </a:xfrm>
+          <a:prstGeom prst="rect">
+            <a:avLst/>
+          </a:prstGeom>
+          <a:noFill/>
+        </p:spPr>
+        <p:style>
+          <a:lnRef idx="2">
+            <a:schemeClr val="accent1">
+              <a:shade val="50000"/>
+            </a:schemeClr>
+          </a:lnRef>
+          <a:fillRef idx="1">
+            <a:schemeClr val="accent1"/>
+          </a:fillRef>
+          <a:effectRef idx="0">
+            <a:schemeClr val="accent1"/>
+          </a:effectRef>
+          <a:fontRef idx="minor">
+            <a:schemeClr val="lt1"/>
+          </a:fontRef>
+        </p:style>
+        <p:txBody>
+          <a:bodyPr rtlCol="0" anchor="ctr"/>
+          <a:lstStyle/>
+          <a:p>
+            <a:r>
+              <a:rPr lang="en-US" dirty="0" smtClean="0">
+                <a:solidFill>
+                  <a:schemeClr val="tx1"/>
+                </a:solidFill>
+              </a:rPr>
+              <a:t>15</a:t>
+            </a:r>
+            <a:endParaRPr lang="en-US" dirty="0">
+              <a:solidFill>
+                <a:schemeClr val="tx1"/>
+              </a:solidFill>
+            </a:endParaRPr>
+          </a:p>
+        </p:txBody>
+      </p:sp>
+      <p:sp>
+        <p:nvSpPr>
+          <p:cNvPr id="8" name="Rectangle 7"/>
+          <p:cNvSpPr/>
+          <p:nvPr/>
+        </p:nvSpPr>
+        <p:spPr>
+          <a:xfrm>
+            <a:off x="5578997" y="2681655"/>
+            <a:ext cx="2141317" cy="428263"/>
+          </a:xfrm>
+          <a:prstGeom prst="rect">
+            <a:avLst/>
+          </a:prstGeom>
+          <a:noFill/>
+        </p:spPr>
+        <p:style>
+          <a:lnRef idx="2">
+            <a:schemeClr val="accent1">
+              <a:shade val="50000"/>
+            </a:schemeClr>
+          </a:lnRef>
+          <a:fillRef idx="1">
+            <a:schemeClr val="accent1"/>
+          </a:fillRef>
+          <a:effectRef idx="0">
+            <a:schemeClr val="accent1"/>
+          </a:effectRef>
+          <a:fontRef idx="minor">
+            <a:schemeClr val="lt1"/>
+          </a:fontRef>
+        </p:style>
+        <p:txBody>
+          <a:bodyPr rtlCol="0" anchor="ctr"/>
+          <a:lstStyle/>
+          <a:p>
+            <a:r>
+              <a:rPr lang="en-US" smtClean="0">
+                <a:solidFill>
+                  <a:schemeClr val="tx1"/>
+                </a:solidFill>
+              </a:rPr>
+              <a:t>62</a:t>
+            </a:r>
+            <a:endParaRPr lang="en-US">
+              <a:solidFill>
+                <a:schemeClr val="tx1"/>
+              </a:solidFill>
+            </a:endParaRPr>
+          </a:p>
+        </p:txBody>
+      </p:sp>
+      <p:sp>
+        <p:nvSpPr>
+          <p:cNvPr id="9" name="Rectangle 8"/>
+          <p:cNvSpPr/>
+          <p:nvPr/>
+        </p:nvSpPr>
+        <p:spPr>
+          <a:xfrm>
+            <a:off x="5578996" y="3206187"/>
+            <a:ext cx="2141317" cy="428263"/>
+          </a:xfrm>
+          <a:prstGeom prst="rect">
+            <a:avLst/>
+          </a:prstGeom>
+          <a:noFill/>
+        </p:spPr>
+        <p:style>
+          <a:lnRef idx="2">
+            <a:schemeClr val="accent1">
+              <a:shade val="50000"/>
+            </a:schemeClr>
+          </a:lnRef>
+          <a:fillRef idx="1">
+            <a:schemeClr val="accent1"/>
+          </a:fillRef>
+          <a:effectRef idx="0">
+            <a:schemeClr val="accent1"/>
+          </a:effectRef>
+          <a:fontRef idx="minor">
+            <a:schemeClr val="lt1"/>
+          </a:fontRef>
+        </p:style>
+        <p:txBody>
+          <a:bodyPr rtlCol="0" anchor="ctr"/>
+          <a:lstStyle/>
+          <a:p>
+            <a:r>
+              <a:rPr lang="en-US" dirty="0" smtClean="0">
+                <a:solidFill>
+                  <a:schemeClr val="tx1"/>
+                </a:solidFill>
+              </a:rPr>
+              <a:t>45</a:t>
+            </a:r>
+            <a:endParaRPr lang="en-US" dirty="0">
+              <a:solidFill>
+                <a:schemeClr val="tx1"/>
+              </a:solidFill>
+            </a:endParaRPr>
+          </a:p>
+        </p:txBody>
+      </p:sp>
+      <p:sp>
+        <p:nvSpPr>
+          <p:cNvPr id="10" name="TextBox 9"/>
+          <p:cNvSpPr txBox="1"/>
+          <p:nvPr/>
+        </p:nvSpPr>
+        <p:spPr>
+          <a:xfrm>
+            <a:off x="5578996" y="1687132"/>
+            <a:ext cx="2141317" cy="369332"/>
+          </a:xfrm>
+          <a:prstGeom prst="rect">
+            <a:avLst/>
+          </a:prstGeom>
+          <a:noFill/>
+        </p:spPr>
+        <p:txBody>
+          <a:bodyPr wrap="square" rtlCol="0">
+            <a:spAutoFit/>
+          </a:bodyPr>
+          <a:lstStyle/>
+          <a:p>
+            <a:r>
+              <a:rPr lang="en-US" dirty="0" smtClean="0"/>
+              <a:t>Weight (</a:t>
+            </a:r>
+            <a:r>
+              <a:rPr lang="en-US" dirty="0" err="1" smtClean="0"/>
+              <a:t>lbs</a:t>
+            </a:r>
+            <a:r>
+              <a:rPr lang="en-US" dirty="0" smtClean="0"/>
+              <a:t>)</a:t>
+            </a:r>
+            <a:endParaRPr lang="en-US" dirty="0"/>
+          </a:p>
+        </p:txBody>
+      </p:sp>
+      <p:sp>
+        <p:nvSpPr>
+          <p:cNvPr id="11" name="Rounded Rectangle 10"/>
+          <p:cNvSpPr/>
+          <p:nvPr/>
+        </p:nvSpPr>
+        <p:spPr>
+          <a:xfrm>
+            <a:off x="5929745" y="5791200"/>
+            <a:ext cx="2172221" cy="526473"/>
+          </a:xfrm>
+          <a:prstGeom prst="roundRect">
+            <a:avLst/>
+          </a:prstGeom>
+        </p:spPr>
+        <p:style>
+          <a:lnRef idx="2">
+            <a:schemeClr val="accent1">
+              <a:shade val="50000"/>
+            </a:schemeClr>
+          </a:lnRef>
+          <a:fillRef idx="1">
+            <a:schemeClr val="accent1"/>
+          </a:fillRef>
+          <a:effectRef idx="0">
+            <a:schemeClr val="accent1"/>
+          </a:effectRef>
+          <a:fontRef idx="minor">
+            <a:schemeClr val="lt1"/>
+          </a:fontRef>
+        </p:style>
+        <p:txBody>
+          <a:bodyPr rtlCol="0" anchor="ctr"/>
+          <a:lstStyle/>
+          <a:p>
+            <a:pPr algn="ctr"/>
+            <a:r>
+              <a:rPr lang="en-US" dirty="0" smtClean="0"/>
+              <a:t>Save</a:t>
+            </a:r>
+            <a:endParaRPr lang="en-US" dirty="0"/>
+          </a:p>
+        </p:txBody>
+      </p:sp>
+      <p:sp>
+        <p:nvSpPr>
+          <p:cNvPr id="13" name="Oval 12"/>
+          <p:cNvSpPr/>
+          <p:nvPr/>
+        </p:nvSpPr>
+        <p:spPr>
+          <a:xfrm>
+            <a:off x="4203531" y="2185408"/>
+            <a:ext cx="321276" cy="311154"/>
+          </a:xfrm>
+          <a:prstGeom prst="ellipse">
+            <a:avLst/>
+          </a:prstGeom>
+          <a:solidFill>
+            <a:srgbClr val="FF0000"/>
+          </a:solidFill>
+        </p:spPr>
+        <p:style>
+          <a:lnRef idx="2">
+            <a:schemeClr val="accent1">
+              <a:shade val="50000"/>
+            </a:schemeClr>
+          </a:lnRef>
+          <a:fillRef idx="1">
+            <a:schemeClr val="accent1"/>
+          </a:fillRef>
+          <a:effectRef idx="0">
+            <a:schemeClr val="accent1"/>
+          </a:effectRef>
+          <a:fontRef idx="minor">
+            <a:schemeClr val="lt1"/>
+          </a:fontRef>
+        </p:style>
+        <p:txBody>
+          <a:bodyPr rtlCol="0" anchor="ctr"/>
+          <a:lstStyle/>
+          <a:p>
+            <a:pPr algn="ctr"/>
+            <a:r>
+              <a:rPr lang="en-US" sz="2400" dirty="0" smtClean="0"/>
+              <a:t>-</a:t>
+            </a:r>
+            <a:endParaRPr lang="en-US" dirty="0"/>
+          </a:p>
+        </p:txBody>
+      </p:sp>
+      <p:sp>
+        <p:nvSpPr>
+          <p:cNvPr id="14" name="Oval 13"/>
+          <p:cNvSpPr/>
+          <p:nvPr/>
+        </p:nvSpPr>
+        <p:spPr>
+          <a:xfrm>
+            <a:off x="4203531" y="2740209"/>
+            <a:ext cx="321276" cy="311154"/>
+          </a:xfrm>
+          <a:prstGeom prst="ellipse">
+            <a:avLst/>
+          </a:prstGeom>
+          <a:solidFill>
+            <a:srgbClr val="FF0000"/>
+          </a:solidFill>
+        </p:spPr>
+        <p:style>
+          <a:lnRef idx="2">
+            <a:schemeClr val="accent1">
+              <a:shade val="50000"/>
+            </a:schemeClr>
+          </a:lnRef>
+          <a:fillRef idx="1">
+            <a:schemeClr val="accent1"/>
+          </a:fillRef>
+          <a:effectRef idx="0">
+            <a:schemeClr val="accent1"/>
+          </a:effectRef>
+          <a:fontRef idx="minor">
+            <a:schemeClr val="lt1"/>
+          </a:fontRef>
+        </p:style>
+        <p:txBody>
+          <a:bodyPr rtlCol="0" anchor="ctr"/>
+          <a:lstStyle/>
+          <a:p>
+            <a:pPr algn="ctr"/>
+            <a:r>
+              <a:rPr lang="en-US" sz="2400" dirty="0" smtClean="0"/>
+              <a:t>-</a:t>
+            </a:r>
+            <a:endParaRPr lang="en-US" dirty="0"/>
+          </a:p>
+        </p:txBody>
+      </p:sp>
+      <p:sp>
+        <p:nvSpPr>
+          <p:cNvPr id="15" name="Oval 14"/>
+          <p:cNvSpPr/>
+          <p:nvPr/>
+        </p:nvSpPr>
+        <p:spPr>
+          <a:xfrm>
+            <a:off x="4212840" y="3295010"/>
+            <a:ext cx="321276" cy="311154"/>
+          </a:xfrm>
+          <a:prstGeom prst="ellipse">
+            <a:avLst/>
+          </a:prstGeom>
+          <a:solidFill>
+            <a:srgbClr val="FF0000"/>
+          </a:solidFill>
+        </p:spPr>
+        <p:style>
+          <a:lnRef idx="2">
+            <a:schemeClr val="accent1">
+              <a:shade val="50000"/>
+            </a:schemeClr>
+          </a:lnRef>
+          <a:fillRef idx="1">
+            <a:schemeClr val="accent1"/>
+          </a:fillRef>
+          <a:effectRef idx="0">
+            <a:schemeClr val="accent1"/>
+          </a:effectRef>
+          <a:fontRef idx="minor">
+            <a:schemeClr val="lt1"/>
+          </a:fontRef>
+        </p:style>
+        <p:txBody>
+          <a:bodyPr rtlCol="0" anchor="ctr"/>
+          <a:lstStyle/>
+          <a:p>
+            <a:pPr algn="ctr"/>
+            <a:r>
+              <a:rPr lang="en-US" sz="2400" dirty="0" smtClean="0"/>
+              <a:t>-</a:t>
+            </a:r>
+            <a:endParaRPr lang="en-US" dirty="0"/>
+          </a:p>
+        </p:txBody>
+      </p:sp>
+      <p:sp>
+        <p:nvSpPr>
+          <p:cNvPr id="16" name="Oval 15"/>
+          <p:cNvSpPr/>
+          <p:nvPr/>
+        </p:nvSpPr>
+        <p:spPr>
+          <a:xfrm>
+            <a:off x="4203531" y="3849811"/>
+            <a:ext cx="321276" cy="311154"/>
+          </a:xfrm>
+          <a:prstGeom prst="ellipse">
+            <a:avLst/>
+          </a:prstGeom>
+          <a:solidFill>
+            <a:srgbClr val="92D050"/>
+          </a:solidFill>
+        </p:spPr>
+        <p:style>
+          <a:lnRef idx="2">
+            <a:schemeClr val="accent1">
+              <a:shade val="50000"/>
+            </a:schemeClr>
+          </a:lnRef>
+          <a:fillRef idx="1">
+            <a:schemeClr val="accent1"/>
+          </a:fillRef>
+          <a:effectRef idx="0">
+            <a:schemeClr val="accent1"/>
+          </a:effectRef>
+          <a:fontRef idx="minor">
+            <a:schemeClr val="lt1"/>
+          </a:fontRef>
+        </p:style>
+        <p:txBody>
+          <a:bodyPr rtlCol="0" anchor="ctr"/>
+          <a:lstStyle/>
+          <a:p>
+            <a:pPr algn="ctr"/>
+            <a:r>
+              <a:rPr lang="en-US" smtClean="0"/>
+              <a:t>+</a:t>
+            </a:r>
+            <a:endParaRPr lang="en-US" dirty="0"/>
+          </a:p>
+        </p:txBody>
+      </p:sp>
+    </p:spTree>
+    <p:extLst>
+      <p:ext uri="{BB962C8B-B14F-4D97-AF65-F5344CB8AC3E}">
+        <p14:creationId xmlns:p14="http://schemas.microsoft.com/office/powerpoint/2010/main" val="1373442199"/>
+      </p:ext>
+    </p:extLst>
+  </p:cSld>
+  <p:clrMapOvr>
+    <a:masterClrMapping/>
+  </p:clrMapOvr>
+</p:sld>
+</file>
+
+<file path=ppt/slides/slide15.xml><?xml version="1.0" encoding="utf-8"?>
+<p:sld xmlns:a="http://schemas.openxmlformats.org/drawingml/2006/main" xmlns:r="http://schemas.openxmlformats.org/officeDocument/2006/relationships" xmlns:p="http://schemas.openxmlformats.org/presentationml/2006/main">
+  <p:cSld>
+    <p:spTree>
+      <p:nvGrpSpPr>
+        <p:cNvPr id="1" name=""/>
+        <p:cNvGrpSpPr/>
+        <p:nvPr/>
+      </p:nvGrpSpPr>
+      <p:grpSpPr>
+        <a:xfrm>
+          <a:off x="0" y="0"/>
+          <a:ext cx="0" cy="0"/>
+          <a:chOff x="0" y="0"/>
+          <a:chExt cx="0" cy="0"/>
+        </a:xfrm>
+      </p:grpSpPr>
+      <p:sp>
+        <p:nvSpPr>
           <p:cNvPr id="4" name="TextBox 3"/>
           <p:cNvSpPr txBox="1"/>
           <p:nvPr/>
@@ -31519,7 +33255,7 @@
 </p:sld>
 </file>
 
-<file path=ppt/slides/slide13.xml><?xml version="1.0" encoding="utf-8"?>
+<file path=ppt/slides/slide16.xml><?xml version="1.0" encoding="utf-8"?>
 <p:sld xmlns:a="http://schemas.openxmlformats.org/drawingml/2006/main" xmlns:r="http://schemas.openxmlformats.org/officeDocument/2006/relationships" xmlns:p="http://schemas.openxmlformats.org/presentationml/2006/main">
   <p:cSld>
     <p:spTree>
@@ -32006,7 +33742,7 @@
 </p:sld>
 </file>
 
-<file path=ppt/slides/slide14.xml><?xml version="1.0" encoding="utf-8"?>
+<file path=ppt/slides/slide17.xml><?xml version="1.0" encoding="utf-8"?>
 <p:sld xmlns:a="http://schemas.openxmlformats.org/drawingml/2006/main" xmlns:r="http://schemas.openxmlformats.org/officeDocument/2006/relationships" xmlns:p="http://schemas.openxmlformats.org/presentationml/2006/main">
   <p:cSld>
     <p:spTree>
@@ -32751,7 +34487,7 @@
 </p:sld>
 </file>
 
-<file path=ppt/slides/slide15.xml><?xml version="1.0" encoding="utf-8"?>
+<file path=ppt/slides/slide18.xml><?xml version="1.0" encoding="utf-8"?>
 <p:sld xmlns:a="http://schemas.openxmlformats.org/drawingml/2006/main" xmlns:r="http://schemas.openxmlformats.org/officeDocument/2006/relationships" xmlns:p="http://schemas.openxmlformats.org/presentationml/2006/main">
   <p:cSld>
     <p:spTree>
@@ -33110,7 +34846,7 @@
 </p:sld>
 </file>
 
-<file path=ppt/slides/slide16.xml><?xml version="1.0" encoding="utf-8"?>
+<file path=ppt/slides/slide19.xml><?xml version="1.0" encoding="utf-8"?>
 <p:sld xmlns:a="http://schemas.openxmlformats.org/drawingml/2006/main" xmlns:r="http://schemas.openxmlformats.org/officeDocument/2006/relationships" xmlns:p="http://schemas.openxmlformats.org/presentationml/2006/main">
   <p:cSld>
     <p:spTree>
@@ -34208,7 +35944,7 @@
           <p:nvPr/>
         </p:nvPicPr>
         <p:blipFill>
-          <a:blip r:embed="rId3">
+          <a:blip r:embed="rId2">
             <a:extLst>
               <a:ext uri="{28A0092B-C50C-407E-A947-70E740481C1C}">
                 <a14:useLocalDpi xmlns:a14="http://schemas.microsoft.com/office/drawing/2010/main" val="0"/>
@@ -34378,7 +36114,7 @@
           <p:nvPr/>
         </p:nvPicPr>
         <p:blipFill>
-          <a:blip r:embed="rId4">
+          <a:blip r:embed="rId2">
             <a:extLst>
               <a:ext uri="{28A0092B-C50C-407E-A947-70E740481C1C}">
                 <a14:useLocalDpi xmlns:a14="http://schemas.microsoft.com/office/drawing/2010/main" val="0"/>
